--- a/docs/Azure/StudyGroups/AZ-220/AZ220ExamStudyGroup-Kickoff.pptx
+++ b/docs/Azure/StudyGroups/AZ-220/AZ220ExamStudyGroup-Kickoff.pptx
@@ -136,424 +136,9 @@
 <file path=ppt/revisionInfo.xml><?xml version="1.0" encoding="utf-8"?>
 <p1510:revInfo xmlns:a="http://schemas.openxmlformats.org/drawingml/2006/main" xmlns:r="http://schemas.openxmlformats.org/officeDocument/2006/relationships" xmlns:p1510="http://schemas.microsoft.com/office/powerpoint/2015/10/main">
   <p1510:revLst>
-    <p1510:client id="{FBD86C8A-AFA4-4BED-9926-A45E30B5CF2F}" v="5" dt="2020-04-26T15:11:59.055"/>
+    <p1510:client id="{32F2C96E-AE89-4928-A1E2-D19EBF09A72A}" v="5" dt="2020-07-22T20:34:58.287"/>
   </p1510:revLst>
 </p1510:revInfo>
-</file>
-
-<file path=ppt/changesInfos/changesInfo1.xml><?xml version="1.0" encoding="utf-8"?>
-<pc:chgInfo xmlns:a="http://schemas.openxmlformats.org/drawingml/2006/main" xmlns:r="http://schemas.openxmlformats.org/officeDocument/2006/relationships" xmlns:ac="http://schemas.microsoft.com/office/drawing/2013/main/command" xmlns:pc="http://schemas.microsoft.com/office/powerpoint/2013/main/command">
-  <pc:docChgLst>
-    <pc:chgData name="Diana Phillips" userId="f5791df9-4fff-4524-854b-1a4e68c4eeb6" providerId="ADAL" clId="{FBD86C8A-AFA4-4BED-9926-A45E30B5CF2F}"/>
-    <pc:docChg chg="undo redo custSel addSld delSld modSld delMainMaster">
-      <pc:chgData name="Diana Phillips" userId="f5791df9-4fff-4524-854b-1a4e68c4eeb6" providerId="ADAL" clId="{FBD86C8A-AFA4-4BED-9926-A45E30B5CF2F}" dt="2020-04-26T15:13:14.245" v="303" actId="20577"/>
-      <pc:docMkLst>
-        <pc:docMk/>
-      </pc:docMkLst>
-      <pc:sldChg chg="delSp mod delAnim">
-        <pc:chgData name="Diana Phillips" userId="f5791df9-4fff-4524-854b-1a4e68c4eeb6" providerId="ADAL" clId="{FBD86C8A-AFA4-4BED-9926-A45E30B5CF2F}" dt="2020-04-26T14:59:19.637" v="3" actId="478"/>
-        <pc:sldMkLst>
-          <pc:docMk/>
-          <pc:sldMk cId="1845696887" sldId="257"/>
-        </pc:sldMkLst>
-        <pc:spChg chg="del">
-          <ac:chgData name="Diana Phillips" userId="f5791df9-4fff-4524-854b-1a4e68c4eeb6" providerId="ADAL" clId="{FBD86C8A-AFA4-4BED-9926-A45E30B5CF2F}" dt="2020-04-26T14:59:19.637" v="3" actId="478"/>
-          <ac:spMkLst>
-            <pc:docMk/>
-            <pc:sldMk cId="1845696887" sldId="257"/>
-            <ac:spMk id="5" creationId="{2C49F1B4-B0B2-4BB2-88D7-0C22ADAFB6C4}"/>
-          </ac:spMkLst>
-        </pc:spChg>
-      </pc:sldChg>
-      <pc:sldChg chg="del">
-        <pc:chgData name="Diana Phillips" userId="f5791df9-4fff-4524-854b-1a4e68c4eeb6" providerId="ADAL" clId="{FBD86C8A-AFA4-4BED-9926-A45E30B5CF2F}" dt="2020-04-26T14:59:14.330" v="2" actId="47"/>
-        <pc:sldMkLst>
-          <pc:docMk/>
-          <pc:sldMk cId="750393974" sldId="259"/>
-        </pc:sldMkLst>
-      </pc:sldChg>
-      <pc:sldChg chg="del">
-        <pc:chgData name="Diana Phillips" userId="f5791df9-4fff-4524-854b-1a4e68c4eeb6" providerId="ADAL" clId="{FBD86C8A-AFA4-4BED-9926-A45E30B5CF2F}" dt="2020-04-26T14:59:01.917" v="0" actId="47"/>
-        <pc:sldMkLst>
-          <pc:docMk/>
-          <pc:sldMk cId="3082406804" sldId="260"/>
-        </pc:sldMkLst>
-      </pc:sldChg>
-      <pc:sldChg chg="del">
-        <pc:chgData name="Diana Phillips" userId="f5791df9-4fff-4524-854b-1a4e68c4eeb6" providerId="ADAL" clId="{FBD86C8A-AFA4-4BED-9926-A45E30B5CF2F}" dt="2020-04-26T14:59:14.330" v="2" actId="47"/>
-        <pc:sldMkLst>
-          <pc:docMk/>
-          <pc:sldMk cId="1289153296" sldId="261"/>
-        </pc:sldMkLst>
-      </pc:sldChg>
-      <pc:sldChg chg="del">
-        <pc:chgData name="Diana Phillips" userId="f5791df9-4fff-4524-854b-1a4e68c4eeb6" providerId="ADAL" clId="{FBD86C8A-AFA4-4BED-9926-A45E30B5CF2F}" dt="2020-04-26T14:59:04.394" v="1" actId="47"/>
-        <pc:sldMkLst>
-          <pc:docMk/>
-          <pc:sldMk cId="3962664722" sldId="262"/>
-        </pc:sldMkLst>
-      </pc:sldChg>
-      <pc:sldChg chg="del">
-        <pc:chgData name="Diana Phillips" userId="f5791df9-4fff-4524-854b-1a4e68c4eeb6" providerId="ADAL" clId="{FBD86C8A-AFA4-4BED-9926-A45E30B5CF2F}" dt="2020-04-26T14:59:01.917" v="0" actId="47"/>
-        <pc:sldMkLst>
-          <pc:docMk/>
-          <pc:sldMk cId="4092887478" sldId="263"/>
-        </pc:sldMkLst>
-      </pc:sldChg>
-      <pc:sldChg chg="del">
-        <pc:chgData name="Diana Phillips" userId="f5791df9-4fff-4524-854b-1a4e68c4eeb6" providerId="ADAL" clId="{FBD86C8A-AFA4-4BED-9926-A45E30B5CF2F}" dt="2020-04-26T14:59:01.917" v="0" actId="47"/>
-        <pc:sldMkLst>
-          <pc:docMk/>
-          <pc:sldMk cId="3270694882" sldId="264"/>
-        </pc:sldMkLst>
-      </pc:sldChg>
-      <pc:sldChg chg="del">
-        <pc:chgData name="Diana Phillips" userId="f5791df9-4fff-4524-854b-1a4e68c4eeb6" providerId="ADAL" clId="{FBD86C8A-AFA4-4BED-9926-A45E30B5CF2F}" dt="2020-04-26T14:59:01.917" v="0" actId="47"/>
-        <pc:sldMkLst>
-          <pc:docMk/>
-          <pc:sldMk cId="3565989292" sldId="265"/>
-        </pc:sldMkLst>
-      </pc:sldChg>
-      <pc:sldChg chg="del">
-        <pc:chgData name="Diana Phillips" userId="f5791df9-4fff-4524-854b-1a4e68c4eeb6" providerId="ADAL" clId="{FBD86C8A-AFA4-4BED-9926-A45E30B5CF2F}" dt="2020-04-26T14:59:01.917" v="0" actId="47"/>
-        <pc:sldMkLst>
-          <pc:docMk/>
-          <pc:sldMk cId="1062492588" sldId="266"/>
-        </pc:sldMkLst>
-      </pc:sldChg>
-      <pc:sldChg chg="del">
-        <pc:chgData name="Diana Phillips" userId="f5791df9-4fff-4524-854b-1a4e68c4eeb6" providerId="ADAL" clId="{FBD86C8A-AFA4-4BED-9926-A45E30B5CF2F}" dt="2020-04-26T14:59:01.917" v="0" actId="47"/>
-        <pc:sldMkLst>
-          <pc:docMk/>
-          <pc:sldMk cId="1047868027" sldId="267"/>
-        </pc:sldMkLst>
-      </pc:sldChg>
-      <pc:sldChg chg="del">
-        <pc:chgData name="Diana Phillips" userId="f5791df9-4fff-4524-854b-1a4e68c4eeb6" providerId="ADAL" clId="{FBD86C8A-AFA4-4BED-9926-A45E30B5CF2F}" dt="2020-04-26T14:59:14.330" v="2" actId="47"/>
-        <pc:sldMkLst>
-          <pc:docMk/>
-          <pc:sldMk cId="975432567" sldId="276"/>
-        </pc:sldMkLst>
-      </pc:sldChg>
-      <pc:sldChg chg="del">
-        <pc:chgData name="Diana Phillips" userId="f5791df9-4fff-4524-854b-1a4e68c4eeb6" providerId="ADAL" clId="{FBD86C8A-AFA4-4BED-9926-A45E30B5CF2F}" dt="2020-04-26T14:59:14.330" v="2" actId="47"/>
-        <pc:sldMkLst>
-          <pc:docMk/>
-          <pc:sldMk cId="160261231" sldId="277"/>
-        </pc:sldMkLst>
-      </pc:sldChg>
-      <pc:sldChg chg="del">
-        <pc:chgData name="Diana Phillips" userId="f5791df9-4fff-4524-854b-1a4e68c4eeb6" providerId="ADAL" clId="{FBD86C8A-AFA4-4BED-9926-A45E30B5CF2F}" dt="2020-04-26T14:59:14.330" v="2" actId="47"/>
-        <pc:sldMkLst>
-          <pc:docMk/>
-          <pc:sldMk cId="2437256786" sldId="278"/>
-        </pc:sldMkLst>
-      </pc:sldChg>
-      <pc:sldChg chg="del">
-        <pc:chgData name="Diana Phillips" userId="f5791df9-4fff-4524-854b-1a4e68c4eeb6" providerId="ADAL" clId="{FBD86C8A-AFA4-4BED-9926-A45E30B5CF2F}" dt="2020-04-26T14:59:14.330" v="2" actId="47"/>
-        <pc:sldMkLst>
-          <pc:docMk/>
-          <pc:sldMk cId="601233146" sldId="280"/>
-        </pc:sldMkLst>
-      </pc:sldChg>
-      <pc:sldChg chg="del">
-        <pc:chgData name="Diana Phillips" userId="f5791df9-4fff-4524-854b-1a4e68c4eeb6" providerId="ADAL" clId="{FBD86C8A-AFA4-4BED-9926-A45E30B5CF2F}" dt="2020-04-26T14:59:14.330" v="2" actId="47"/>
-        <pc:sldMkLst>
-          <pc:docMk/>
-          <pc:sldMk cId="4125629055" sldId="284"/>
-        </pc:sldMkLst>
-      </pc:sldChg>
-      <pc:sldChg chg="del">
-        <pc:chgData name="Diana Phillips" userId="f5791df9-4fff-4524-854b-1a4e68c4eeb6" providerId="ADAL" clId="{FBD86C8A-AFA4-4BED-9926-A45E30B5CF2F}" dt="2020-04-26T14:59:14.330" v="2" actId="47"/>
-        <pc:sldMkLst>
-          <pc:docMk/>
-          <pc:sldMk cId="1533723028" sldId="286"/>
-        </pc:sldMkLst>
-      </pc:sldChg>
-      <pc:sldChg chg="del">
-        <pc:chgData name="Diana Phillips" userId="f5791df9-4fff-4524-854b-1a4e68c4eeb6" providerId="ADAL" clId="{FBD86C8A-AFA4-4BED-9926-A45E30B5CF2F}" dt="2020-04-26T14:59:14.330" v="2" actId="47"/>
-        <pc:sldMkLst>
-          <pc:docMk/>
-          <pc:sldMk cId="1393328700" sldId="287"/>
-        </pc:sldMkLst>
-      </pc:sldChg>
-      <pc:sldChg chg="del">
-        <pc:chgData name="Diana Phillips" userId="f5791df9-4fff-4524-854b-1a4e68c4eeb6" providerId="ADAL" clId="{FBD86C8A-AFA4-4BED-9926-A45E30B5CF2F}" dt="2020-04-26T14:59:14.330" v="2" actId="47"/>
-        <pc:sldMkLst>
-          <pc:docMk/>
-          <pc:sldMk cId="2607707844" sldId="295"/>
-        </pc:sldMkLst>
-      </pc:sldChg>
-      <pc:sldChg chg="del">
-        <pc:chgData name="Diana Phillips" userId="f5791df9-4fff-4524-854b-1a4e68c4eeb6" providerId="ADAL" clId="{FBD86C8A-AFA4-4BED-9926-A45E30B5CF2F}" dt="2020-04-26T14:59:14.330" v="2" actId="47"/>
-        <pc:sldMkLst>
-          <pc:docMk/>
-          <pc:sldMk cId="2171847428" sldId="300"/>
-        </pc:sldMkLst>
-      </pc:sldChg>
-      <pc:sldChg chg="del">
-        <pc:chgData name="Diana Phillips" userId="f5791df9-4fff-4524-854b-1a4e68c4eeb6" providerId="ADAL" clId="{FBD86C8A-AFA4-4BED-9926-A45E30B5CF2F}" dt="2020-04-26T14:59:14.330" v="2" actId="47"/>
-        <pc:sldMkLst>
-          <pc:docMk/>
-          <pc:sldMk cId="3749933403" sldId="307"/>
-        </pc:sldMkLst>
-      </pc:sldChg>
-      <pc:sldChg chg="del">
-        <pc:chgData name="Diana Phillips" userId="f5791df9-4fff-4524-854b-1a4e68c4eeb6" providerId="ADAL" clId="{FBD86C8A-AFA4-4BED-9926-A45E30B5CF2F}" dt="2020-04-26T14:59:14.330" v="2" actId="47"/>
-        <pc:sldMkLst>
-          <pc:docMk/>
-          <pc:sldMk cId="1933330414" sldId="308"/>
-        </pc:sldMkLst>
-      </pc:sldChg>
-      <pc:sldChg chg="del">
-        <pc:chgData name="Diana Phillips" userId="f5791df9-4fff-4524-854b-1a4e68c4eeb6" providerId="ADAL" clId="{FBD86C8A-AFA4-4BED-9926-A45E30B5CF2F}" dt="2020-04-26T14:59:14.330" v="2" actId="47"/>
-        <pc:sldMkLst>
-          <pc:docMk/>
-          <pc:sldMk cId="3514509221" sldId="309"/>
-        </pc:sldMkLst>
-      </pc:sldChg>
-      <pc:sldChg chg="del">
-        <pc:chgData name="Diana Phillips" userId="f5791df9-4fff-4524-854b-1a4e68c4eeb6" providerId="ADAL" clId="{FBD86C8A-AFA4-4BED-9926-A45E30B5CF2F}" dt="2020-04-26T14:59:14.330" v="2" actId="47"/>
-        <pc:sldMkLst>
-          <pc:docMk/>
-          <pc:sldMk cId="2819620459" sldId="310"/>
-        </pc:sldMkLst>
-      </pc:sldChg>
-      <pc:sldChg chg="del">
-        <pc:chgData name="Diana Phillips" userId="f5791df9-4fff-4524-854b-1a4e68c4eeb6" providerId="ADAL" clId="{FBD86C8A-AFA4-4BED-9926-A45E30B5CF2F}" dt="2020-04-26T14:59:14.330" v="2" actId="47"/>
-        <pc:sldMkLst>
-          <pc:docMk/>
-          <pc:sldMk cId="2231752805" sldId="311"/>
-        </pc:sldMkLst>
-      </pc:sldChg>
-      <pc:sldChg chg="del">
-        <pc:chgData name="Diana Phillips" userId="f5791df9-4fff-4524-854b-1a4e68c4eeb6" providerId="ADAL" clId="{FBD86C8A-AFA4-4BED-9926-A45E30B5CF2F}" dt="2020-04-26T14:59:14.330" v="2" actId="47"/>
-        <pc:sldMkLst>
-          <pc:docMk/>
-          <pc:sldMk cId="1761632397" sldId="312"/>
-        </pc:sldMkLst>
-      </pc:sldChg>
-      <pc:sldChg chg="del">
-        <pc:chgData name="Diana Phillips" userId="f5791df9-4fff-4524-854b-1a4e68c4eeb6" providerId="ADAL" clId="{FBD86C8A-AFA4-4BED-9926-A45E30B5CF2F}" dt="2020-04-26T14:59:14.330" v="2" actId="47"/>
-        <pc:sldMkLst>
-          <pc:docMk/>
-          <pc:sldMk cId="1955015742" sldId="313"/>
-        </pc:sldMkLst>
-      </pc:sldChg>
-      <pc:sldChg chg="del">
-        <pc:chgData name="Diana Phillips" userId="f5791df9-4fff-4524-854b-1a4e68c4eeb6" providerId="ADAL" clId="{FBD86C8A-AFA4-4BED-9926-A45E30B5CF2F}" dt="2020-04-26T14:59:14.330" v="2" actId="47"/>
-        <pc:sldMkLst>
-          <pc:docMk/>
-          <pc:sldMk cId="498310538" sldId="314"/>
-        </pc:sldMkLst>
-      </pc:sldChg>
-      <pc:sldChg chg="del">
-        <pc:chgData name="Diana Phillips" userId="f5791df9-4fff-4524-854b-1a4e68c4eeb6" providerId="ADAL" clId="{FBD86C8A-AFA4-4BED-9926-A45E30B5CF2F}" dt="2020-04-26T14:59:14.330" v="2" actId="47"/>
-        <pc:sldMkLst>
-          <pc:docMk/>
-          <pc:sldMk cId="4229171519" sldId="316"/>
-        </pc:sldMkLst>
-      </pc:sldChg>
-      <pc:sldChg chg="del">
-        <pc:chgData name="Diana Phillips" userId="f5791df9-4fff-4524-854b-1a4e68c4eeb6" providerId="ADAL" clId="{FBD86C8A-AFA4-4BED-9926-A45E30B5CF2F}" dt="2020-04-26T14:59:14.330" v="2" actId="47"/>
-        <pc:sldMkLst>
-          <pc:docMk/>
-          <pc:sldMk cId="2272361044" sldId="317"/>
-        </pc:sldMkLst>
-      </pc:sldChg>
-      <pc:sldChg chg="del">
-        <pc:chgData name="Diana Phillips" userId="f5791df9-4fff-4524-854b-1a4e68c4eeb6" providerId="ADAL" clId="{FBD86C8A-AFA4-4BED-9926-A45E30B5CF2F}" dt="2020-04-26T14:59:14.330" v="2" actId="47"/>
-        <pc:sldMkLst>
-          <pc:docMk/>
-          <pc:sldMk cId="2613813337" sldId="318"/>
-        </pc:sldMkLst>
-      </pc:sldChg>
-      <pc:sldChg chg="del">
-        <pc:chgData name="Diana Phillips" userId="f5791df9-4fff-4524-854b-1a4e68c4eeb6" providerId="ADAL" clId="{FBD86C8A-AFA4-4BED-9926-A45E30B5CF2F}" dt="2020-04-26T14:59:14.330" v="2" actId="47"/>
-        <pc:sldMkLst>
-          <pc:docMk/>
-          <pc:sldMk cId="353775612" sldId="319"/>
-        </pc:sldMkLst>
-      </pc:sldChg>
-      <pc:sldChg chg="del">
-        <pc:chgData name="Diana Phillips" userId="f5791df9-4fff-4524-854b-1a4e68c4eeb6" providerId="ADAL" clId="{FBD86C8A-AFA4-4BED-9926-A45E30B5CF2F}" dt="2020-04-26T14:59:14.330" v="2" actId="47"/>
-        <pc:sldMkLst>
-          <pc:docMk/>
-          <pc:sldMk cId="3434946386" sldId="320"/>
-        </pc:sldMkLst>
-      </pc:sldChg>
-      <pc:sldChg chg="del">
-        <pc:chgData name="Diana Phillips" userId="f5791df9-4fff-4524-854b-1a4e68c4eeb6" providerId="ADAL" clId="{FBD86C8A-AFA4-4BED-9926-A45E30B5CF2F}" dt="2020-04-26T14:59:14.330" v="2" actId="47"/>
-        <pc:sldMkLst>
-          <pc:docMk/>
-          <pc:sldMk cId="1505415560" sldId="322"/>
-        </pc:sldMkLst>
-      </pc:sldChg>
-      <pc:sldChg chg="del">
-        <pc:chgData name="Diana Phillips" userId="f5791df9-4fff-4524-854b-1a4e68c4eeb6" providerId="ADAL" clId="{FBD86C8A-AFA4-4BED-9926-A45E30B5CF2F}" dt="2020-04-26T14:59:14.330" v="2" actId="47"/>
-        <pc:sldMkLst>
-          <pc:docMk/>
-          <pc:sldMk cId="1217467416" sldId="324"/>
-        </pc:sldMkLst>
-      </pc:sldChg>
-      <pc:sldChg chg="del">
-        <pc:chgData name="Diana Phillips" userId="f5791df9-4fff-4524-854b-1a4e68c4eeb6" providerId="ADAL" clId="{FBD86C8A-AFA4-4BED-9926-A45E30B5CF2F}" dt="2020-04-26T14:59:14.330" v="2" actId="47"/>
-        <pc:sldMkLst>
-          <pc:docMk/>
-          <pc:sldMk cId="3969617960" sldId="325"/>
-        </pc:sldMkLst>
-      </pc:sldChg>
-      <pc:sldChg chg="del">
-        <pc:chgData name="Diana Phillips" userId="f5791df9-4fff-4524-854b-1a4e68c4eeb6" providerId="ADAL" clId="{FBD86C8A-AFA4-4BED-9926-A45E30B5CF2F}" dt="2020-04-26T14:59:14.330" v="2" actId="47"/>
-        <pc:sldMkLst>
-          <pc:docMk/>
-          <pc:sldMk cId="519899086" sldId="327"/>
-        </pc:sldMkLst>
-      </pc:sldChg>
-      <pc:sldChg chg="modSp add mod">
-        <pc:chgData name="Diana Phillips" userId="f5791df9-4fff-4524-854b-1a4e68c4eeb6" providerId="ADAL" clId="{FBD86C8A-AFA4-4BED-9926-A45E30B5CF2F}" dt="2020-04-26T15:02:40.907" v="76" actId="113"/>
-        <pc:sldMkLst>
-          <pc:docMk/>
-          <pc:sldMk cId="2182817956" sldId="329"/>
-        </pc:sldMkLst>
-        <pc:spChg chg="mod">
-          <ac:chgData name="Diana Phillips" userId="f5791df9-4fff-4524-854b-1a4e68c4eeb6" providerId="ADAL" clId="{FBD86C8A-AFA4-4BED-9926-A45E30B5CF2F}" dt="2020-04-26T15:00:59.119" v="12" actId="20577"/>
-          <ac:spMkLst>
-            <pc:docMk/>
-            <pc:sldMk cId="2182817956" sldId="329"/>
-            <ac:spMk id="2" creationId="{F2000D5A-CB9F-462F-9BF6-F275DDDA7335}"/>
-          </ac:spMkLst>
-        </pc:spChg>
-        <pc:spChg chg="mod">
-          <ac:chgData name="Diana Phillips" userId="f5791df9-4fff-4524-854b-1a4e68c4eeb6" providerId="ADAL" clId="{FBD86C8A-AFA4-4BED-9926-A45E30B5CF2F}" dt="2020-04-26T15:02:40.907" v="76" actId="113"/>
-          <ac:spMkLst>
-            <pc:docMk/>
-            <pc:sldMk cId="2182817956" sldId="329"/>
-            <ac:spMk id="3" creationId="{8C643B59-1FAA-4F9D-93CE-4F935DBE9BEA}"/>
-          </ac:spMkLst>
-        </pc:spChg>
-      </pc:sldChg>
-      <pc:sldChg chg="modSp add mod">
-        <pc:chgData name="Diana Phillips" userId="f5791df9-4fff-4524-854b-1a4e68c4eeb6" providerId="ADAL" clId="{FBD86C8A-AFA4-4BED-9926-A45E30B5CF2F}" dt="2020-04-26T15:13:14.245" v="303" actId="20577"/>
-        <pc:sldMkLst>
-          <pc:docMk/>
-          <pc:sldMk cId="3749934193" sldId="330"/>
-        </pc:sldMkLst>
-        <pc:spChg chg="mod">
-          <ac:chgData name="Diana Phillips" userId="f5791df9-4fff-4524-854b-1a4e68c4eeb6" providerId="ADAL" clId="{FBD86C8A-AFA4-4BED-9926-A45E30B5CF2F}" dt="2020-04-26T15:03:11.848" v="93" actId="20577"/>
-          <ac:spMkLst>
-            <pc:docMk/>
-            <pc:sldMk cId="3749934193" sldId="330"/>
-            <ac:spMk id="2" creationId="{F2000D5A-CB9F-462F-9BF6-F275DDDA7335}"/>
-          </ac:spMkLst>
-        </pc:spChg>
-        <pc:spChg chg="mod">
-          <ac:chgData name="Diana Phillips" userId="f5791df9-4fff-4524-854b-1a4e68c4eeb6" providerId="ADAL" clId="{FBD86C8A-AFA4-4BED-9926-A45E30B5CF2F}" dt="2020-04-26T15:13:14.245" v="303" actId="20577"/>
-          <ac:spMkLst>
-            <pc:docMk/>
-            <pc:sldMk cId="3749934193" sldId="330"/>
-            <ac:spMk id="3" creationId="{8C643B59-1FAA-4F9D-93CE-4F935DBE9BEA}"/>
-          </ac:spMkLst>
-        </pc:spChg>
-      </pc:sldChg>
-      <pc:sldMasterChg chg="del delSldLayout">
-        <pc:chgData name="Diana Phillips" userId="f5791df9-4fff-4524-854b-1a4e68c4eeb6" providerId="ADAL" clId="{FBD86C8A-AFA4-4BED-9926-A45E30B5CF2F}" dt="2020-04-26T14:59:01.917" v="0" actId="47"/>
-        <pc:sldMasterMkLst>
-          <pc:docMk/>
-          <pc:sldMasterMk cId="2149267390" sldId="2147483648"/>
-        </pc:sldMasterMkLst>
-        <pc:sldLayoutChg chg="del">
-          <pc:chgData name="Diana Phillips" userId="f5791df9-4fff-4524-854b-1a4e68c4eeb6" providerId="ADAL" clId="{FBD86C8A-AFA4-4BED-9926-A45E30B5CF2F}" dt="2020-04-26T14:59:01.917" v="0" actId="47"/>
-          <pc:sldLayoutMkLst>
-            <pc:docMk/>
-            <pc:sldMasterMk cId="2149267390" sldId="2147483648"/>
-            <pc:sldLayoutMk cId="3263586" sldId="2147483649"/>
-          </pc:sldLayoutMkLst>
-        </pc:sldLayoutChg>
-        <pc:sldLayoutChg chg="del">
-          <pc:chgData name="Diana Phillips" userId="f5791df9-4fff-4524-854b-1a4e68c4eeb6" providerId="ADAL" clId="{FBD86C8A-AFA4-4BED-9926-A45E30B5CF2F}" dt="2020-04-26T14:59:01.917" v="0" actId="47"/>
-          <pc:sldLayoutMkLst>
-            <pc:docMk/>
-            <pc:sldMasterMk cId="2149267390" sldId="2147483648"/>
-            <pc:sldLayoutMk cId="2865925270" sldId="2147483650"/>
-          </pc:sldLayoutMkLst>
-        </pc:sldLayoutChg>
-        <pc:sldLayoutChg chg="del">
-          <pc:chgData name="Diana Phillips" userId="f5791df9-4fff-4524-854b-1a4e68c4eeb6" providerId="ADAL" clId="{FBD86C8A-AFA4-4BED-9926-A45E30B5CF2F}" dt="2020-04-26T14:59:01.917" v="0" actId="47"/>
-          <pc:sldLayoutMkLst>
-            <pc:docMk/>
-            <pc:sldMasterMk cId="2149267390" sldId="2147483648"/>
-            <pc:sldLayoutMk cId="2114013348" sldId="2147483651"/>
-          </pc:sldLayoutMkLst>
-        </pc:sldLayoutChg>
-        <pc:sldLayoutChg chg="del">
-          <pc:chgData name="Diana Phillips" userId="f5791df9-4fff-4524-854b-1a4e68c4eeb6" providerId="ADAL" clId="{FBD86C8A-AFA4-4BED-9926-A45E30B5CF2F}" dt="2020-04-26T14:59:01.917" v="0" actId="47"/>
-          <pc:sldLayoutMkLst>
-            <pc:docMk/>
-            <pc:sldMasterMk cId="2149267390" sldId="2147483648"/>
-            <pc:sldLayoutMk cId="3296073760" sldId="2147483652"/>
-          </pc:sldLayoutMkLst>
-        </pc:sldLayoutChg>
-        <pc:sldLayoutChg chg="del">
-          <pc:chgData name="Diana Phillips" userId="f5791df9-4fff-4524-854b-1a4e68c4eeb6" providerId="ADAL" clId="{FBD86C8A-AFA4-4BED-9926-A45E30B5CF2F}" dt="2020-04-26T14:59:01.917" v="0" actId="47"/>
-          <pc:sldLayoutMkLst>
-            <pc:docMk/>
-            <pc:sldMasterMk cId="2149267390" sldId="2147483648"/>
-            <pc:sldLayoutMk cId="4058390041" sldId="2147483653"/>
-          </pc:sldLayoutMkLst>
-        </pc:sldLayoutChg>
-        <pc:sldLayoutChg chg="del">
-          <pc:chgData name="Diana Phillips" userId="f5791df9-4fff-4524-854b-1a4e68c4eeb6" providerId="ADAL" clId="{FBD86C8A-AFA4-4BED-9926-A45E30B5CF2F}" dt="2020-04-26T14:59:01.917" v="0" actId="47"/>
-          <pc:sldLayoutMkLst>
-            <pc:docMk/>
-            <pc:sldMasterMk cId="2149267390" sldId="2147483648"/>
-            <pc:sldLayoutMk cId="4063250688" sldId="2147483654"/>
-          </pc:sldLayoutMkLst>
-        </pc:sldLayoutChg>
-        <pc:sldLayoutChg chg="del">
-          <pc:chgData name="Diana Phillips" userId="f5791df9-4fff-4524-854b-1a4e68c4eeb6" providerId="ADAL" clId="{FBD86C8A-AFA4-4BED-9926-A45E30B5CF2F}" dt="2020-04-26T14:59:01.917" v="0" actId="47"/>
-          <pc:sldLayoutMkLst>
-            <pc:docMk/>
-            <pc:sldMasterMk cId="2149267390" sldId="2147483648"/>
-            <pc:sldLayoutMk cId="3191671834" sldId="2147483655"/>
-          </pc:sldLayoutMkLst>
-        </pc:sldLayoutChg>
-        <pc:sldLayoutChg chg="del">
-          <pc:chgData name="Diana Phillips" userId="f5791df9-4fff-4524-854b-1a4e68c4eeb6" providerId="ADAL" clId="{FBD86C8A-AFA4-4BED-9926-A45E30B5CF2F}" dt="2020-04-26T14:59:01.917" v="0" actId="47"/>
-          <pc:sldLayoutMkLst>
-            <pc:docMk/>
-            <pc:sldMasterMk cId="2149267390" sldId="2147483648"/>
-            <pc:sldLayoutMk cId="2469146221" sldId="2147483656"/>
-          </pc:sldLayoutMkLst>
-        </pc:sldLayoutChg>
-        <pc:sldLayoutChg chg="del">
-          <pc:chgData name="Diana Phillips" userId="f5791df9-4fff-4524-854b-1a4e68c4eeb6" providerId="ADAL" clId="{FBD86C8A-AFA4-4BED-9926-A45E30B5CF2F}" dt="2020-04-26T14:59:01.917" v="0" actId="47"/>
-          <pc:sldLayoutMkLst>
-            <pc:docMk/>
-            <pc:sldMasterMk cId="2149267390" sldId="2147483648"/>
-            <pc:sldLayoutMk cId="4136237975" sldId="2147483657"/>
-          </pc:sldLayoutMkLst>
-        </pc:sldLayoutChg>
-        <pc:sldLayoutChg chg="del">
-          <pc:chgData name="Diana Phillips" userId="f5791df9-4fff-4524-854b-1a4e68c4eeb6" providerId="ADAL" clId="{FBD86C8A-AFA4-4BED-9926-A45E30B5CF2F}" dt="2020-04-26T14:59:01.917" v="0" actId="47"/>
-          <pc:sldLayoutMkLst>
-            <pc:docMk/>
-            <pc:sldMasterMk cId="2149267390" sldId="2147483648"/>
-            <pc:sldLayoutMk cId="607455806" sldId="2147483658"/>
-          </pc:sldLayoutMkLst>
-        </pc:sldLayoutChg>
-        <pc:sldLayoutChg chg="del">
-          <pc:chgData name="Diana Phillips" userId="f5791df9-4fff-4524-854b-1a4e68c4eeb6" providerId="ADAL" clId="{FBD86C8A-AFA4-4BED-9926-A45E30B5CF2F}" dt="2020-04-26T14:59:01.917" v="0" actId="47"/>
-          <pc:sldLayoutMkLst>
-            <pc:docMk/>
-            <pc:sldMasterMk cId="2149267390" sldId="2147483648"/>
-            <pc:sldLayoutMk cId="534011365" sldId="2147483659"/>
-          </pc:sldLayoutMkLst>
-        </pc:sldLayoutChg>
-      </pc:sldMasterChg>
-    </pc:docChg>
-  </pc:docChgLst>
-</pc:chgInfo>
 </file>
 
 <file path=ppt/diagrams/colors1.xml><?xml version="1.0" encoding="utf-8"?>
@@ -3986,7 +3571,7 @@
           <a:p>
             <a:fld id="{2B9A03EB-7126-45F9-B271-31ACF51049B1}" type="datetimeFigureOut">
               <a:rPr lang="en-US" smtClean="0"/>
-              <a:t>4/26/2020</a:t>
+              <a:t>7/21/2020</a:t>
             </a:fld>
             <a:endParaRPr lang="en-US"/>
           </a:p>
@@ -4459,7 +4044,7 @@
           <a:p>
             <a:fld id="{9427A7F7-BB1E-479D-AFAA-B52F4D0C99F2}" type="datetime8">
               <a:rPr lang="en-US" smtClean="0"/>
-              <a:t>4/26/2020 8:48 AM</a:t>
+              <a:t>7/21/2020 12:59 PM</a:t>
             </a:fld>
             <a:endParaRPr lang="en-US" dirty="0"/>
           </a:p>
@@ -4792,7 +4377,7 @@
           <a:p>
             <a:fld id="{EBF4473A-D4C1-45CA-AA7F-702B493EE23D}" type="datetimeFigureOut">
               <a:rPr lang="en-US" smtClean="0"/>
-              <a:t>4/26/2020</a:t>
+              <a:t>7/21/2020</a:t>
             </a:fld>
             <a:endParaRPr lang="en-US"/>
           </a:p>
@@ -4990,7 +4575,7 @@
           <a:p>
             <a:fld id="{EBF4473A-D4C1-45CA-AA7F-702B493EE23D}" type="datetimeFigureOut">
               <a:rPr lang="en-US" smtClean="0"/>
-              <a:t>4/26/2020</a:t>
+              <a:t>7/21/2020</a:t>
             </a:fld>
             <a:endParaRPr lang="en-US"/>
           </a:p>
@@ -5198,7 +4783,7 @@
           <a:p>
             <a:fld id="{EBF4473A-D4C1-45CA-AA7F-702B493EE23D}" type="datetimeFigureOut">
               <a:rPr lang="en-US" smtClean="0"/>
-              <a:t>4/26/2020</a:t>
+              <a:t>7/21/2020</a:t>
             </a:fld>
             <a:endParaRPr lang="en-US"/>
           </a:p>
@@ -7055,7 +6640,7 @@
           <a:p>
             <a:fld id="{EBF4473A-D4C1-45CA-AA7F-702B493EE23D}" type="datetimeFigureOut">
               <a:rPr lang="en-US" smtClean="0"/>
-              <a:t>4/26/2020</a:t>
+              <a:t>7/21/2020</a:t>
             </a:fld>
             <a:endParaRPr lang="en-US"/>
           </a:p>
@@ -9393,7 +8978,7 @@
           <a:p>
             <a:fld id="{EBF4473A-D4C1-45CA-AA7F-702B493EE23D}" type="datetimeFigureOut">
               <a:rPr lang="en-US" smtClean="0"/>
-              <a:t>4/26/2020</a:t>
+              <a:t>7/21/2020</a:t>
             </a:fld>
             <a:endParaRPr lang="en-US"/>
           </a:p>
@@ -13845,7 +13430,7 @@
           <a:p>
             <a:fld id="{EBF4473A-D4C1-45CA-AA7F-702B493EE23D}" type="datetimeFigureOut">
               <a:rPr lang="en-US" smtClean="0"/>
-              <a:t>4/26/2020</a:t>
+              <a:t>7/21/2020</a:t>
             </a:fld>
             <a:endParaRPr lang="en-US"/>
           </a:p>
@@ -16075,7 +15660,7 @@
           <a:p>
             <a:fld id="{EBF4473A-D4C1-45CA-AA7F-702B493EE23D}" type="datetimeFigureOut">
               <a:rPr lang="en-US" smtClean="0"/>
-              <a:t>4/26/2020</a:t>
+              <a:t>7/21/2020</a:t>
             </a:fld>
             <a:endParaRPr lang="en-US"/>
           </a:p>
@@ -17877,7 +17462,7 @@
           <a:p>
             <a:fld id="{EBF4473A-D4C1-45CA-AA7F-702B493EE23D}" type="datetimeFigureOut">
               <a:rPr lang="en-US" smtClean="0"/>
-              <a:t>4/26/2020</a:t>
+              <a:t>7/21/2020</a:t>
             </a:fld>
             <a:endParaRPr lang="en-US"/>
           </a:p>
@@ -19504,7 +19089,7 @@
           <a:p>
             <a:fld id="{EBF4473A-D4C1-45CA-AA7F-702B493EE23D}" type="datetimeFigureOut">
               <a:rPr lang="en-US" smtClean="0"/>
-              <a:t>4/26/2020</a:t>
+              <a:t>7/21/2020</a:t>
             </a:fld>
             <a:endParaRPr lang="en-US"/>
           </a:p>
@@ -21992,7 +21577,7 @@
           <a:p>
             <a:fld id="{EBF4473A-D4C1-45CA-AA7F-702B493EE23D}" type="datetimeFigureOut">
               <a:rPr lang="en-US" smtClean="0"/>
-              <a:t>4/26/2020</a:t>
+              <a:t>7/21/2020</a:t>
             </a:fld>
             <a:endParaRPr lang="en-US"/>
           </a:p>
@@ -24293,7 +23878,7 @@
           <a:p>
             <a:fld id="{EBF4473A-D4C1-45CA-AA7F-702B493EE23D}" type="datetimeFigureOut">
               <a:rPr lang="en-US" smtClean="0"/>
-              <a:t>4/26/2020</a:t>
+              <a:t>7/21/2020</a:t>
             </a:fld>
             <a:endParaRPr lang="en-US"/>
           </a:p>
@@ -24534,7 +24119,7 @@
           <a:p>
             <a:fld id="{EBF4473A-D4C1-45CA-AA7F-702B493EE23D}" type="datetimeFigureOut">
               <a:rPr lang="en-US" smtClean="0"/>
-              <a:t>4/26/2020</a:t>
+              <a:t>7/21/2020</a:t>
             </a:fld>
             <a:endParaRPr lang="en-US"/>
           </a:p>
@@ -30309,7 +29894,7 @@
       </p:sp>
       <p:pic>
         <p:nvPicPr>
-          <p:cNvPr id="4" name="Picture 3">
+          <p:cNvPr id="4" name="Picture 3" descr="Microsoft Certified Azure IoT Developer Specialty badge">
             <a:extLst>
               <a:ext uri="{FF2B5EF4-FFF2-40B4-BE49-F238E27FC236}">
                 <a16:creationId xmlns:a16="http://schemas.microsoft.com/office/drawing/2014/main" id="{869BB7D3-B27A-4580-969B-22B1B3D294E7}"/>
@@ -31346,13 +30931,13 @@
         </p:spPr>
         <p:txBody>
           <a:bodyPr>
-            <a:normAutofit/>
+            <a:normAutofit lnSpcReduction="10000"/>
           </a:bodyPr>
           <a:lstStyle/>
           <a:p>
             <a:r>
               <a:rPr lang="en-US" sz="3000" dirty="0"/>
-              <a:t>Registration: </a:t>
+              <a:t>AZ-220 Resources and Homework: </a:t>
             </a:r>
             <a:br>
               <a:rPr lang="en-US" sz="3000" dirty="0"/>
@@ -31361,9 +30946,12 @@
               <a:rPr lang="en-US" sz="3000" dirty="0">
                 <a:hlinkClick r:id="rId2"/>
               </a:rPr>
-              <a:t>https://msuspartners.eventbuilder.com/AZ220StudyGroup</a:t>
-            </a:r>
-            <a:endParaRPr lang="en-US" sz="3000" dirty="0"/>
+              <a:t>https://aka.ms/OCPStudyGroup-IoT</a:t>
+            </a:r>
+            <a:r>
+              <a:rPr lang="en-US" sz="3000" dirty="0"/>
+              <a:t>  </a:t>
+            </a:r>
           </a:p>
           <a:p>
             <a:pPr>
@@ -31373,7 +30961,7 @@
             </a:pPr>
             <a:r>
               <a:rPr lang="en-US" sz="3000" dirty="0"/>
-              <a:t>Study Group on Yammer (Note “AZ-220” in posts): </a:t>
+              <a:t>Study Group On-Demand Video Registration: </a:t>
             </a:r>
             <a:br>
               <a:rPr lang="en-US" sz="3000" dirty="0"/>
@@ -31382,7 +30970,7 @@
               <a:rPr lang="en-US" sz="3000" dirty="0">
                 <a:hlinkClick r:id="rId3"/>
               </a:rPr>
-              <a:t>http://aka.ms/azurecsg</a:t>
+              <a:t>https://msuspartners.eventbuilder.com/AZ220StudyGroup</a:t>
             </a:r>
             <a:endParaRPr lang="en-US" sz="3000" dirty="0"/>
           </a:p>
@@ -31394,13 +30982,31 @@
             </a:pPr>
             <a:r>
               <a:rPr lang="en-US" sz="3000" dirty="0"/>
-              <a:t>Resources and Homework in the AZ-220 section: </a:t>
-            </a:r>
+              <a:t>“Learn IoT” conversation space on Microsoft Tech Community:</a:t>
+            </a:r>
+            <a:br>
+              <a:rPr lang="en-US" sz="3000" dirty="0"/>
+            </a:br>
+            <a:r>
+              <a:rPr lang="en-US" sz="3000" dirty="0"/>
+              <a:t>(</a:t>
+            </a:r>
+            <a:r>
+              <a:rPr lang="en-US" sz="3000" i="1" dirty="0"/>
+              <a:t>Note “AZ-220” in posts for study group discussion</a:t>
+            </a:r>
+            <a:r>
+              <a:rPr lang="en-US" sz="3000" dirty="0"/>
+              <a:t>) </a:t>
+            </a:r>
+            <a:br>
+              <a:rPr lang="en-US" sz="3000" dirty="0"/>
+            </a:br>
             <a:r>
               <a:rPr lang="en-US" sz="3000" dirty="0">
                 <a:hlinkClick r:id="rId4"/>
               </a:rPr>
-              <a:t>http://aka.ms/AzureStudyGroups</a:t>
+              <a:t>https://aka.ms/iottechcommunity/learniot</a:t>
             </a:r>
             <a:endParaRPr lang="en-US" sz="3000" dirty="0"/>
           </a:p>
@@ -31412,7 +31018,15 @@
             </a:pPr>
             <a:r>
               <a:rPr lang="en-US" sz="3000" dirty="0"/>
-              <a:t>AZ-220 Labs:</a:t>
+              <a:t>AZ-220 Labs (</a:t>
+            </a:r>
+            <a:r>
+              <a:rPr lang="en-US" sz="3000" i="1" dirty="0"/>
+              <a:t>from official curriculum</a:t>
+            </a:r>
+            <a:r>
+              <a:rPr lang="en-US" sz="3000" dirty="0"/>
+              <a:t>):</a:t>
             </a:r>
             <a:br>
               <a:rPr lang="en-US" sz="3000" dirty="0"/>
@@ -31433,7 +31047,7 @@
             </a:pPr>
             <a:r>
               <a:rPr lang="en-US" sz="3000" dirty="0"/>
-              <a:t>Exam: </a:t>
+              <a:t>AZ-220 Microsoft Azure IoT Developer Exam Information: </a:t>
             </a:r>
             <a:br>
               <a:rPr lang="en-US" sz="3000" dirty="0"/>
@@ -32143,7 +31757,7 @@
           <a:p>
             <a:r>
               <a:rPr lang="en-US" dirty="0"/>
-              <a:t>Series Schedule</a:t>
+              <a:t>Study Group Series Schedule</a:t>
             </a:r>
           </a:p>
         </p:txBody>
@@ -32166,13 +31780,13 @@
         </p:nvSpPr>
         <p:spPr>
           <a:xfrm>
-            <a:off x="838200" y="6027744"/>
-            <a:ext cx="10515600" cy="726422"/>
+            <a:off x="838200" y="6119178"/>
+            <a:ext cx="11353800" cy="726422"/>
           </a:xfrm>
         </p:spPr>
         <p:txBody>
           <a:bodyPr>
-            <a:normAutofit fontScale="77500" lnSpcReduction="20000"/>
+            <a:normAutofit fontScale="70000" lnSpcReduction="20000"/>
           </a:bodyPr>
           <a:lstStyle/>
           <a:p>
@@ -32197,13 +31811,22 @@
             </a:pPr>
             <a:r>
               <a:rPr lang="en-US" dirty="0"/>
-              <a:t>Yammer Group: </a:t>
-            </a:r>
-            <a:r>
-              <a:rPr lang="en-US" dirty="0">
-                <a:hlinkClick r:id="rId3"/>
+              <a:t>Microsoft Tech Community: Learn IoT conversation space: </a:t>
+            </a:r>
+            <a:r>
+              <a:rPr lang="en-US" b="0" i="0" dirty="0">
+                <a:effectLst/>
+                <a:latin typeface="Segoe UI" panose="020B0502040204020203" pitchFamily="34" charset="0"/>
+                <a:hlinkClick r:id="rId3" tooltip="https://aka.ms/iottechcommunity/learniot"/>
               </a:rPr>
-              <a:t>http://aka.ms/azurecsg</a:t>
+              <a:t>https://aka.ms/IoTTechCommunity/LearnIoT</a:t>
+            </a:r>
+            <a:r>
+              <a:rPr lang="en-US" b="0" i="0" dirty="0">
+                <a:effectLst/>
+                <a:latin typeface="Segoe UI" panose="020B0502040204020203" pitchFamily="34" charset="0"/>
+              </a:rPr>
+              <a:t> </a:t>
             </a:r>
             <a:endParaRPr lang="en-US" dirty="0"/>
           </a:p>
@@ -32217,10 +31840,10 @@
       </p:sp>
       <p:pic>
         <p:nvPicPr>
-          <p:cNvPr id="4" name="Picture 3">
+          <p:cNvPr id="6" name="Picture 5">
             <a:extLst>
               <a:ext uri="{FF2B5EF4-FFF2-40B4-BE49-F238E27FC236}">
-                <a16:creationId xmlns:a16="http://schemas.microsoft.com/office/drawing/2014/main" id="{3123EBDD-8170-40A0-BFD3-517A43AB5573}"/>
+                <a16:creationId xmlns:a16="http://schemas.microsoft.com/office/drawing/2014/main" id="{6A5DF82C-9EDF-4DE8-B7ED-1CE08B25D33A}"/>
               </a:ext>
             </a:extLst>
           </p:cNvPr>
@@ -32237,12 +31860,22 @@
         </p:blipFill>
         <p:spPr>
           <a:xfrm>
-            <a:off x="838201" y="1399926"/>
-            <a:ext cx="9112624" cy="4433023"/>
+            <a:off x="2297975" y="1089308"/>
+            <a:ext cx="7596051" cy="4811227"/>
           </a:xfrm>
           <a:prstGeom prst="rect">
             <a:avLst/>
           </a:prstGeom>
+          <a:ln>
+            <a:noFill/>
+          </a:ln>
+          <a:effectLst>
+            <a:outerShdw blurRad="292100" dist="139700" dir="2700000" algn="tl" rotWithShape="0">
+              <a:srgbClr val="333333">
+                <a:alpha val="65000"/>
+              </a:srgbClr>
+            </a:outerShdw>
+          </a:effectLst>
         </p:spPr>
       </p:pic>
     </p:spTree>
@@ -32823,6 +32456,47 @@
           </a:p>
         </p:txBody>
       </p:sp>
+      <p:sp>
+        <p:nvSpPr>
+          <p:cNvPr id="4" name="TextBox 3">
+            <a:extLst>
+              <a:ext uri="{FF2B5EF4-FFF2-40B4-BE49-F238E27FC236}">
+                <a16:creationId xmlns:a16="http://schemas.microsoft.com/office/drawing/2014/main" id="{D473D600-4344-4F69-BB45-281358272D3A}"/>
+              </a:ext>
+            </a:extLst>
+          </p:cNvPr>
+          <p:cNvSpPr txBox="1"/>
+          <p:nvPr/>
+        </p:nvSpPr>
+        <p:spPr>
+          <a:xfrm rot="19387302">
+            <a:off x="5581126" y="5161392"/>
+            <a:ext cx="9340597" cy="584775"/>
+          </a:xfrm>
+          <a:prstGeom prst="rect">
+            <a:avLst/>
+          </a:prstGeom>
+          <a:solidFill>
+            <a:schemeClr val="accent5">
+              <a:lumMod val="20000"/>
+              <a:lumOff val="80000"/>
+            </a:schemeClr>
+          </a:solidFill>
+        </p:spPr>
+        <p:txBody>
+          <a:bodyPr wrap="square" rtlCol="0">
+            <a:spAutoFit/>
+          </a:bodyPr>
+          <a:lstStyle/>
+          <a:p>
+            <a:pPr algn="ctr"/>
+            <a:r>
+              <a:rPr lang="en-US" sz="3200" dirty="0"/>
+              <a:t>Previously recorded</a:t>
+            </a:r>
+          </a:p>
+        </p:txBody>
+      </p:sp>
     </p:spTree>
     <p:extLst>
       <p:ext uri="{BB962C8B-B14F-4D97-AF65-F5344CB8AC3E}">
@@ -32897,7 +32571,12 @@
             <p:ph idx="1"/>
           </p:nvPr>
         </p:nvSpPr>
-        <p:spPr/>
+        <p:spPr>
+          <a:xfrm>
+            <a:off x="413425" y="1347281"/>
+            <a:ext cx="11778575" cy="4829682"/>
+          </a:xfrm>
+        </p:spPr>
         <p:txBody>
           <a:bodyPr/>
           <a:lstStyle/>
@@ -32922,17 +32601,53 @@
           <a:p>
             <a:r>
               <a:rPr lang="en-US" dirty="0"/>
-              <a:t>During the week, post any questions you may have to the Yammer Azure Study Group (</a:t>
+              <a:t>During the week, post any questions you may have to the </a:t>
+            </a:r>
+            <a:r>
+              <a:rPr lang="en-US" b="0" i="0" u="none" strike="noStrike" dirty="0">
+                <a:effectLst/>
+                <a:latin typeface="-apple-system"/>
+              </a:rPr>
+              <a:t>Microsoft Tech Community "Learn IoT" Conversation Space </a:t>
+            </a:r>
+            <a:r>
+              <a:rPr lang="en-US" b="0" i="0" dirty="0">
+                <a:solidFill>
+                  <a:srgbClr val="24292E"/>
+                </a:solidFill>
+                <a:effectLst/>
+                <a:latin typeface="-apple-system"/>
+              </a:rPr>
+              <a:t>(</a:t>
             </a:r>
             <a:r>
               <a:rPr lang="en-US" dirty="0">
                 <a:hlinkClick r:id="rId2"/>
               </a:rPr>
-              <a:t>http://aka.ms/azurecsg</a:t>
-            </a:r>
+              <a:t>https://aka.ms/iottechcommunity/learniot</a:t>
+            </a:r>
+            <a:r>
+              <a:rPr lang="en-US" b="0" i="0" dirty="0">
+                <a:solidFill>
+                  <a:srgbClr val="24292E"/>
+                </a:solidFill>
+                <a:effectLst/>
+                <a:latin typeface="-apple-system"/>
+              </a:rPr>
+              <a:t>)</a:t>
+            </a:r>
+            <a:br>
+              <a:rPr lang="en-US" b="0" i="0" dirty="0">
+                <a:solidFill>
+                  <a:srgbClr val="24292E"/>
+                </a:solidFill>
+                <a:effectLst/>
+                <a:latin typeface="-apple-system"/>
+              </a:rPr>
+            </a:br>
             <a:r>
               <a:rPr lang="en-US" dirty="0"/>
-              <a:t>), including AZ-220 with your question</a:t>
+              <a:t>Include AZ-220 with your question if it is specifically related to this study group </a:t>
             </a:r>
           </a:p>
           <a:p>
@@ -33533,18 +33248,48 @@
           <a:p>
             <a:r>
               <a:rPr lang="en-US" dirty="0"/>
-              <a:t>Join the Yammer Group (</a:t>
+              <a:t>Complete the study group homework – Labs and Online Workshop Series</a:t>
+            </a:r>
+          </a:p>
+          <a:p>
+            <a:r>
+              <a:rPr lang="en-US" dirty="0"/>
+              <a:t>Use the </a:t>
+            </a:r>
+            <a:r>
+              <a:rPr lang="en-US" b="0" i="0" u="none" strike="noStrike" dirty="0">
+                <a:effectLst/>
+                <a:latin typeface="-apple-system"/>
+              </a:rPr>
+              <a:t>Microsoft Tech Community "Learn IoT" Conversation Space </a:t>
+            </a:r>
+            <a:r>
+              <a:rPr lang="en-US" b="0" i="0" dirty="0">
+                <a:solidFill>
+                  <a:srgbClr val="24292E"/>
+                </a:solidFill>
+                <a:effectLst/>
+                <a:latin typeface="-apple-system"/>
+              </a:rPr>
+              <a:t>(</a:t>
             </a:r>
             <a:r>
               <a:rPr lang="en-US" dirty="0">
                 <a:hlinkClick r:id="rId2"/>
               </a:rPr>
-              <a:t>http://aka.ms/azurecsg</a:t>
-            </a:r>
-            <a:r>
-              <a:rPr lang="en-US" dirty="0"/>
-              <a:t>)</a:t>
-            </a:r>
+              <a:t>https://aka.ms/iottechcommunity/learniot</a:t>
+            </a:r>
+            <a:r>
+              <a:rPr lang="en-US" b="0" i="0" dirty="0">
+                <a:solidFill>
+                  <a:srgbClr val="24292E"/>
+                </a:solidFill>
+                <a:effectLst/>
+                <a:latin typeface="-apple-system"/>
+              </a:rPr>
+              <a:t>) for help</a:t>
+            </a:r>
+            <a:endParaRPr lang="en-US" dirty="0"/>
           </a:p>
           <a:p>
             <a:r>
@@ -35080,6 +34825,22 @@
 </file>
 
 <file path=customXml/item1.xml><?xml version="1.0" encoding="utf-8"?>
+<p:properties xmlns:p="http://schemas.microsoft.com/office/2006/metadata/properties" xmlns:xsi="http://www.w3.org/2001/XMLSchema-instance" xmlns:pc="http://schemas.microsoft.com/office/infopath/2007/PartnerControls">
+  <documentManagement>
+    <_ip_UnifiedCompliancePolicyUIAction xmlns="http://schemas.microsoft.com/sharepoint/v3" xsi:nil="true"/>
+    <_ip_UnifiedCompliancePolicyProperties xmlns="http://schemas.microsoft.com/sharepoint/v3" xsi:nil="true"/>
+    <SharedWithUsers xmlns="46ffbf7e-ffb6-4569-8975-0ae4aca1e281">
+      <UserInfo>
+        <DisplayName>Priya Aswani</DisplayName>
+        <AccountId>162</AccountId>
+        <AccountType/>
+      </UserInfo>
+    </SharedWithUsers>
+  </documentManagement>
+</p:properties>
+</file>
+
+<file path=customXml/item2.xml><?xml version="1.0" encoding="utf-8"?>
 <ct:contentTypeSchema xmlns:ct="http://schemas.microsoft.com/office/2006/metadata/contentType" xmlns:ma="http://schemas.microsoft.com/office/2006/metadata/properties/metaAttributes" ct:_="" ma:_="" ma:contentTypeName="Document" ma:contentTypeID="0x01010082FBD762F92671428E3129BC9BE04329" ma:contentTypeVersion="15" ma:contentTypeDescription="Create a new document." ma:contentTypeScope="" ma:versionID="5a38c8aabf6fcf7c4f9dbc8e5513e24f">
   <xsd:schema xmlns:xsd="http://www.w3.org/2001/XMLSchema" xmlns:xs="http://www.w3.org/2001/XMLSchema" xmlns:p="http://schemas.microsoft.com/office/2006/metadata/properties" xmlns:ns1="http://schemas.microsoft.com/sharepoint/v3" xmlns:ns2="45fd1702-be4e-48e0-be48-d08fcd2b0eb0" xmlns:ns3="46ffbf7e-ffb6-4569-8975-0ae4aca1e281" targetNamespace="http://schemas.microsoft.com/office/2006/metadata/properties" ma:root="true" ma:fieldsID="35487027a73909aab95553d40f68b8f5" ns1:_="" ns2:_="" ns3:_="">
     <xsd:import namespace="http://schemas.microsoft.com/sharepoint/v3"/>
@@ -35319,15 +35080,6 @@
 </ct:contentTypeSchema>
 </file>
 
-<file path=customXml/item2.xml><?xml version="1.0" encoding="utf-8"?>
-<p:properties xmlns:p="http://schemas.microsoft.com/office/2006/metadata/properties" xmlns:xsi="http://www.w3.org/2001/XMLSchema-instance" xmlns:pc="http://schemas.microsoft.com/office/infopath/2007/PartnerControls">
-  <documentManagement>
-    <_ip_UnifiedCompliancePolicyUIAction xmlns="http://schemas.microsoft.com/sharepoint/v3" xsi:nil="true"/>
-    <_ip_UnifiedCompliancePolicyProperties xmlns="http://schemas.microsoft.com/sharepoint/v3" xsi:nil="true"/>
-  </documentManagement>
-</p:properties>
-</file>
-
 <file path=customXml/item3.xml><?xml version="1.0" encoding="utf-8"?>
 <?mso-contentType ?>
 <FormTemplates xmlns="http://schemas.microsoft.com/sharepoint/v3/contenttype/forms">
@@ -35338,6 +35090,24 @@
 </file>
 
 <file path=customXml/itemProps1.xml><?xml version="1.0" encoding="utf-8"?>
+<ds:datastoreItem xmlns:ds="http://schemas.openxmlformats.org/officeDocument/2006/customXml" ds:itemID="{5FE4C402-FCC1-4BCF-82FA-66A96FAEEE8A}">
+  <ds:schemaRefs>
+    <ds:schemaRef ds:uri="http://purl.org/dc/terms/"/>
+    <ds:schemaRef ds:uri="http://schemas.microsoft.com/sharepoint/v3"/>
+    <ds:schemaRef ds:uri="46ffbf7e-ffb6-4569-8975-0ae4aca1e281"/>
+    <ds:schemaRef ds:uri="45fd1702-be4e-48e0-be48-d08fcd2b0eb0"/>
+    <ds:schemaRef ds:uri="http://www.w3.org/XML/1998/namespace"/>
+    <ds:schemaRef ds:uri="http://schemas.microsoft.com/office/infopath/2007/PartnerControls"/>
+    <ds:schemaRef ds:uri="http://schemas.microsoft.com/office/2006/documentManagement/types"/>
+    <ds:schemaRef ds:uri="http://purl.org/dc/dcmitype/"/>
+    <ds:schemaRef ds:uri="http://schemas.openxmlformats.org/package/2006/metadata/core-properties"/>
+    <ds:schemaRef ds:uri="http://schemas.microsoft.com/office/2006/metadata/properties"/>
+    <ds:schemaRef ds:uri="http://purl.org/dc/elements/1.1/"/>
+  </ds:schemaRefs>
+</ds:datastoreItem>
+</file>
+
+<file path=customXml/itemProps2.xml><?xml version="1.0" encoding="utf-8"?>
 <ds:datastoreItem xmlns:ds="http://schemas.openxmlformats.org/officeDocument/2006/customXml" ds:itemID="{03F991B3-C3D5-4ACE-98AB-161CDC00CE40}">
   <ds:schemaRefs>
     <ds:schemaRef ds:uri="http://schemas.microsoft.com/office/2006/metadata/contentType"/>
@@ -35357,24 +35127,6 @@
 </ds:datastoreItem>
 </file>
 
-<file path=customXml/itemProps2.xml><?xml version="1.0" encoding="utf-8"?>
-<ds:datastoreItem xmlns:ds="http://schemas.openxmlformats.org/officeDocument/2006/customXml" ds:itemID="{5FE4C402-FCC1-4BCF-82FA-66A96FAEEE8A}">
-  <ds:schemaRefs>
-    <ds:schemaRef ds:uri="45fd1702-be4e-48e0-be48-d08fcd2b0eb0"/>
-    <ds:schemaRef ds:uri="46ffbf7e-ffb6-4569-8975-0ae4aca1e281"/>
-    <ds:schemaRef ds:uri="http://schemas.microsoft.com/office/2006/documentManagement/types"/>
-    <ds:schemaRef ds:uri="http://schemas.microsoft.com/office/2006/metadata/properties"/>
-    <ds:schemaRef ds:uri="http://purl.org/dc/elements/1.1/"/>
-    <ds:schemaRef ds:uri="http://schemas.microsoft.com/sharepoint/v3"/>
-    <ds:schemaRef ds:uri="http://www.w3.org/XML/1998/namespace"/>
-    <ds:schemaRef ds:uri="http://purl.org/dc/terms/"/>
-    <ds:schemaRef ds:uri="http://schemas.microsoft.com/office/infopath/2007/PartnerControls"/>
-    <ds:schemaRef ds:uri="http://schemas.openxmlformats.org/package/2006/metadata/core-properties"/>
-    <ds:schemaRef ds:uri="http://purl.org/dc/dcmitype/"/>
-  </ds:schemaRefs>
-</ds:datastoreItem>
-</file>
-
 <file path=customXml/itemProps3.xml><?xml version="1.0" encoding="utf-8"?>
 <ds:datastoreItem xmlns:ds="http://schemas.openxmlformats.org/officeDocument/2006/customXml" ds:itemID="{5A8A99CA-E6FA-42B0-87AE-B96C917F63B2}">
   <ds:schemaRefs>
